--- a/AurorAI Mockups.pptx
+++ b/AurorAI Mockups.pptx
@@ -224,7 +224,7 @@
           <a:p>
             <a:fld id="{DFBD7333-DD87-4773-BED3-E2892A4094EE}" type="datetimeFigureOut">
               <a:rPr lang="en-US" smtClean="0"/>
-              <a:t>5/22/2017</a:t>
+              <a:t>5/26/2017</a:t>
             </a:fld>
             <a:endParaRPr lang="en-US"/>
           </a:p>
@@ -389,7 +389,7 @@
           <a:p>
             <a:fld id="{D39D084F-DC83-4EB0-8CED-52E9AA3ECA1C}" type="datetimeFigureOut">
               <a:rPr lang="en-US" smtClean="0"/>
-              <a:t>5/22/2017</a:t>
+              <a:t>5/26/2017</a:t>
             </a:fld>
             <a:endParaRPr lang="en-US"/>
           </a:p>
@@ -6362,8 +6362,8 @@
         </p:nvSpPr>
         <p:spPr>
           <a:xfrm>
-            <a:off x="8770452" y="2659787"/>
-            <a:ext cx="2926080" cy="1286071"/>
+            <a:off x="8904312" y="5571929"/>
+            <a:ext cx="3275496" cy="1286071"/>
           </a:xfrm>
         </p:spPr>
         <p:txBody>
@@ -6683,244 +6683,473 @@
           </a:p>
         </p:txBody>
       </p:sp>
-      <p:pic>
-        <p:nvPicPr>
-          <p:cNvPr id="11" name="Picture 10"/>
-          <p:cNvPicPr>
-            <a:picLocks noChangeAspect="1"/>
-          </p:cNvPicPr>
+      <p:grpSp>
+        <p:nvGrpSpPr>
+          <p:cNvPr id="6" name="Group 5"/>
+          <p:cNvGrpSpPr/>
           <p:nvPr/>
-        </p:nvPicPr>
-        <p:blipFill>
-          <a:blip r:embed="rId3"/>
-          <a:stretch>
-            <a:fillRect/>
-          </a:stretch>
-        </p:blipFill>
-        <p:spPr>
+        </p:nvGrpSpPr>
+        <p:grpSpPr>
           <a:xfrm>
-            <a:off x="8226172" y="1011303"/>
-            <a:ext cx="3631612" cy="1697617"/>
+            <a:off x="8809191" y="2751574"/>
+            <a:ext cx="1885165" cy="1112696"/>
+            <a:chOff x="8747339" y="1334289"/>
+            <a:chExt cx="1885165" cy="1112696"/>
           </a:xfrm>
-          <a:prstGeom prst="rect">
-            <a:avLst/>
-          </a:prstGeom>
-        </p:spPr>
-      </p:pic>
-      <p:sp>
-        <p:nvSpPr>
-          <p:cNvPr id="15" name="Text Placeholder 2"/>
-          <p:cNvSpPr txBox="1">
-            <a:spLocks/>
-          </p:cNvSpPr>
-          <p:nvPr/>
-        </p:nvSpPr>
-        <p:spPr>
-          <a:xfrm>
-            <a:off x="8659538" y="2040864"/>
-            <a:ext cx="2806994" cy="458145"/>
-          </a:xfrm>
-          <a:prstGeom prst="rect">
-            <a:avLst/>
-          </a:prstGeom>
-        </p:spPr>
-        <p:txBody>
-          <a:bodyPr vert="horz" lIns="0" tIns="91440" rIns="0" bIns="45720" rtlCol="0">
-            <a:noAutofit/>
-          </a:bodyPr>
-          <a:lstStyle>
-            <a:lvl1pPr marL="0" indent="1588" algn="l" defTabSz="914377" rtl="0" eaLnBrk="1" latinLnBrk="0" hangingPunct="1">
-              <a:lnSpc>
-                <a:spcPct val="70000"/>
-              </a:lnSpc>
-              <a:spcBef>
-                <a:spcPts val="0"/>
-              </a:spcBef>
-              <a:buFont typeface="Arial" panose="020B0604020202020204" pitchFamily="34" charset="0"/>
-              <a:buNone/>
-              <a:defRPr sz="4000" b="0" kern="1200" cap="all" baseline="0">
-                <a:solidFill>
-                  <a:schemeClr val="bg1"/>
-                </a:solidFill>
-                <a:latin typeface="Arial Black" panose="020B0A04020102020204" pitchFamily="34" charset="0"/>
-                <a:ea typeface="+mn-ea"/>
-                <a:cs typeface="Arial" panose="020B0604020202020204" pitchFamily="34" charset="0"/>
-              </a:defRPr>
-            </a:lvl1pPr>
-            <a:lvl2pPr marL="55561" indent="0" algn="l" defTabSz="914377" rtl="0" eaLnBrk="1" latinLnBrk="0" hangingPunct="1">
-              <a:lnSpc>
-                <a:spcPct val="80000"/>
-              </a:lnSpc>
-              <a:spcBef>
-                <a:spcPts val="0"/>
-              </a:spcBef>
-              <a:spcAft>
-                <a:spcPts val="0"/>
-              </a:spcAft>
-              <a:buFont typeface="Arial" panose="020B0604020202020204" pitchFamily="34" charset="0"/>
-              <a:buNone/>
-              <a:defRPr sz="2400" b="0" kern="1200" cap="all" baseline="0">
-                <a:solidFill>
-                  <a:schemeClr val="bg1"/>
-                </a:solidFill>
-                <a:latin typeface="Arial Black" panose="020B0A04020102020204" pitchFamily="34" charset="0"/>
-                <a:ea typeface="+mn-ea"/>
-                <a:cs typeface="Arial" panose="020B0604020202020204" pitchFamily="34" charset="0"/>
-              </a:defRPr>
-            </a:lvl2pPr>
-            <a:lvl3pPr marL="55561" indent="0" algn="l" defTabSz="914377" rtl="0" eaLnBrk="1" latinLnBrk="0" hangingPunct="1">
-              <a:lnSpc>
-                <a:spcPct val="80000"/>
-              </a:lnSpc>
-              <a:spcBef>
-                <a:spcPts val="0"/>
-              </a:spcBef>
-              <a:spcAft>
-                <a:spcPts val="0"/>
-              </a:spcAft>
-              <a:buFont typeface="Arial" panose="020B0604020202020204" pitchFamily="34" charset="0"/>
-              <a:buNone/>
-              <a:defRPr sz="1800" b="0" kern="1200" cap="all" baseline="0">
-                <a:solidFill>
-                  <a:schemeClr val="bg1"/>
-                </a:solidFill>
-                <a:latin typeface="Arial Black" panose="020B0A04020102020204" pitchFamily="34" charset="0"/>
-                <a:ea typeface="+mn-ea"/>
-                <a:cs typeface="+mn-cs"/>
-              </a:defRPr>
-            </a:lvl3pPr>
-            <a:lvl4pPr marL="55561" indent="0" algn="l" defTabSz="914377" rtl="0" eaLnBrk="1" latinLnBrk="0" hangingPunct="1">
-              <a:lnSpc>
-                <a:spcPct val="80000"/>
-              </a:lnSpc>
-              <a:spcBef>
-                <a:spcPts val="0"/>
-              </a:spcBef>
-              <a:spcAft>
-                <a:spcPts val="0"/>
-              </a:spcAft>
-              <a:buFont typeface="Arial" panose="020B0604020202020204" pitchFamily="34" charset="0"/>
-              <a:buNone/>
-              <a:defRPr sz="1800" b="0" kern="1200" cap="all" baseline="0">
-                <a:solidFill>
-                  <a:schemeClr val="bg1"/>
-                </a:solidFill>
-                <a:latin typeface="Arial Black" panose="020B0A04020102020204" pitchFamily="34" charset="0"/>
-                <a:ea typeface="+mn-ea"/>
-                <a:cs typeface="+mn-cs"/>
-              </a:defRPr>
-            </a:lvl4pPr>
-            <a:lvl5pPr marL="55561" indent="0" algn="l" defTabSz="914377" rtl="0" eaLnBrk="1" latinLnBrk="0" hangingPunct="1">
-              <a:lnSpc>
-                <a:spcPct val="80000"/>
-              </a:lnSpc>
-              <a:spcBef>
-                <a:spcPts val="0"/>
-              </a:spcBef>
-              <a:spcAft>
-                <a:spcPts val="0"/>
-              </a:spcAft>
-              <a:buFont typeface="Graphik" panose="020B0503030202060203" pitchFamily="34" charset="0"/>
-              <a:buNone/>
-              <a:defRPr sz="1800" b="0" kern="1200" cap="all" baseline="0">
-                <a:solidFill>
-                  <a:schemeClr val="bg1"/>
-                </a:solidFill>
-                <a:latin typeface="Arial Black" panose="020B0A04020102020204" pitchFamily="34" charset="0"/>
-                <a:ea typeface="+mn-ea"/>
-                <a:cs typeface="+mn-cs"/>
-              </a:defRPr>
-            </a:lvl5pPr>
-            <a:lvl6pPr marL="512750" indent="-173034" algn="l" defTabSz="914377" rtl="0" eaLnBrk="1" latinLnBrk="0" hangingPunct="1">
-              <a:lnSpc>
-                <a:spcPct val="90000"/>
-              </a:lnSpc>
-              <a:spcBef>
-                <a:spcPts val="500"/>
-              </a:spcBef>
-              <a:buFont typeface="Arial" panose="020B0604020202020204" pitchFamily="34" charset="0"/>
-              <a:buChar char="•"/>
-              <a:defRPr sz="1400" kern="1200">
-                <a:solidFill>
-                  <a:schemeClr val="bg1"/>
-                </a:solidFill>
-                <a:latin typeface="+mn-lt"/>
-                <a:ea typeface="+mn-ea"/>
-                <a:cs typeface="+mn-cs"/>
-              </a:defRPr>
-            </a:lvl6pPr>
-            <a:lvl7pPr marL="0" indent="0" algn="l" defTabSz="914377" rtl="0" eaLnBrk="1" latinLnBrk="0" hangingPunct="1">
-              <a:lnSpc>
-                <a:spcPct val="90000"/>
-              </a:lnSpc>
-              <a:spcBef>
-                <a:spcPts val="800"/>
-              </a:spcBef>
-              <a:buFont typeface="Arial" panose="020B0604020202020204" pitchFamily="34" charset="0"/>
-              <a:buNone/>
-              <a:defRPr sz="1200" b="1" kern="1200" cap="all" baseline="0">
-                <a:solidFill>
-                  <a:schemeClr val="bg1"/>
-                </a:solidFill>
-                <a:latin typeface="+mj-lt"/>
-                <a:ea typeface="+mn-ea"/>
-                <a:cs typeface="+mn-cs"/>
-              </a:defRPr>
-            </a:lvl7pPr>
-            <a:lvl8pPr marL="0" indent="0" algn="l" defTabSz="914377" rtl="0" eaLnBrk="1" latinLnBrk="0" hangingPunct="1">
-              <a:lnSpc>
-                <a:spcPct val="100000"/>
-              </a:lnSpc>
-              <a:spcBef>
-                <a:spcPts val="0"/>
-              </a:spcBef>
-              <a:spcAft>
-                <a:spcPts val="800"/>
-              </a:spcAft>
-              <a:buFont typeface="Arial" panose="020B0604020202020204" pitchFamily="34" charset="0"/>
-              <a:buNone/>
-              <a:defRPr sz="1800" kern="1200" baseline="0">
-                <a:solidFill>
-                  <a:schemeClr val="bg1"/>
-                </a:solidFill>
-                <a:latin typeface="+mn-lt"/>
-                <a:ea typeface="+mn-ea"/>
-                <a:cs typeface="+mn-cs"/>
-              </a:defRPr>
-            </a:lvl8pPr>
-            <a:lvl9pPr marL="0" indent="0" algn="l" defTabSz="914377" rtl="0" eaLnBrk="1" latinLnBrk="0" hangingPunct="1">
-              <a:lnSpc>
-                <a:spcPct val="110000"/>
-              </a:lnSpc>
-              <a:spcBef>
-                <a:spcPts val="0"/>
-              </a:spcBef>
-              <a:spcAft>
-                <a:spcPts val="600"/>
-              </a:spcAft>
-              <a:buFont typeface="Arial" panose="020B0604020202020204" pitchFamily="34" charset="0"/>
-              <a:buNone/>
-              <a:defRPr sz="1200" kern="1200">
-                <a:solidFill>
-                  <a:schemeClr val="bg1"/>
-                </a:solidFill>
-                <a:latin typeface="+mn-lt"/>
-                <a:ea typeface="+mn-ea"/>
-                <a:cs typeface="+mn-cs"/>
-              </a:defRPr>
-            </a:lvl9pPr>
-          </a:lstStyle>
-          <a:p>
-            <a:pPr lvl="1"/>
-            <a:r>
-              <a:rPr lang="en-US" sz="3500" spc="300" dirty="0">
-                <a:latin typeface="+mj-lt"/>
-              </a:rPr>
-              <a:t>platform</a:t>
-            </a:r>
-          </a:p>
-        </p:txBody>
-      </p:sp>
+        </p:grpSpPr>
+        <p:sp>
+          <p:nvSpPr>
+            <p:cNvPr id="15" name="Text Placeholder 2"/>
+            <p:cNvSpPr txBox="1">
+              <a:spLocks/>
+            </p:cNvSpPr>
+            <p:nvPr/>
+          </p:nvSpPr>
+          <p:spPr>
+            <a:xfrm>
+              <a:off x="8753863" y="1986281"/>
+              <a:ext cx="1878641" cy="458145"/>
+            </a:xfrm>
+            <a:prstGeom prst="rect">
+              <a:avLst/>
+            </a:prstGeom>
+          </p:spPr>
+          <p:txBody>
+            <a:bodyPr vert="horz" lIns="0" tIns="91440" rIns="0" bIns="45720" rtlCol="0">
+              <a:noAutofit/>
+            </a:bodyPr>
+            <a:lstStyle>
+              <a:lvl1pPr marL="0" indent="1588" algn="l" defTabSz="914377" rtl="0" eaLnBrk="1" latinLnBrk="0" hangingPunct="1">
+                <a:lnSpc>
+                  <a:spcPct val="70000"/>
+                </a:lnSpc>
+                <a:spcBef>
+                  <a:spcPts val="0"/>
+                </a:spcBef>
+                <a:buFont typeface="Arial" panose="020B0604020202020204" pitchFamily="34" charset="0"/>
+                <a:buNone/>
+                <a:defRPr sz="4000" b="0" kern="1200" cap="all" baseline="0">
+                  <a:solidFill>
+                    <a:schemeClr val="bg1"/>
+                  </a:solidFill>
+                  <a:latin typeface="Arial Black" panose="020B0A04020102020204" pitchFamily="34" charset="0"/>
+                  <a:ea typeface="+mn-ea"/>
+                  <a:cs typeface="Arial" panose="020B0604020202020204" pitchFamily="34" charset="0"/>
+                </a:defRPr>
+              </a:lvl1pPr>
+              <a:lvl2pPr marL="55561" indent="0" algn="l" defTabSz="914377" rtl="0" eaLnBrk="1" latinLnBrk="0" hangingPunct="1">
+                <a:lnSpc>
+                  <a:spcPct val="80000"/>
+                </a:lnSpc>
+                <a:spcBef>
+                  <a:spcPts val="0"/>
+                </a:spcBef>
+                <a:spcAft>
+                  <a:spcPts val="0"/>
+                </a:spcAft>
+                <a:buFont typeface="Arial" panose="020B0604020202020204" pitchFamily="34" charset="0"/>
+                <a:buNone/>
+                <a:defRPr sz="2400" b="0" kern="1200" cap="all" baseline="0">
+                  <a:solidFill>
+                    <a:schemeClr val="bg1"/>
+                  </a:solidFill>
+                  <a:latin typeface="Arial Black" panose="020B0A04020102020204" pitchFamily="34" charset="0"/>
+                  <a:ea typeface="+mn-ea"/>
+                  <a:cs typeface="Arial" panose="020B0604020202020204" pitchFamily="34" charset="0"/>
+                </a:defRPr>
+              </a:lvl2pPr>
+              <a:lvl3pPr marL="55561" indent="0" algn="l" defTabSz="914377" rtl="0" eaLnBrk="1" latinLnBrk="0" hangingPunct="1">
+                <a:lnSpc>
+                  <a:spcPct val="80000"/>
+                </a:lnSpc>
+                <a:spcBef>
+                  <a:spcPts val="0"/>
+                </a:spcBef>
+                <a:spcAft>
+                  <a:spcPts val="0"/>
+                </a:spcAft>
+                <a:buFont typeface="Arial" panose="020B0604020202020204" pitchFamily="34" charset="0"/>
+                <a:buNone/>
+                <a:defRPr sz="1800" b="0" kern="1200" cap="all" baseline="0">
+                  <a:solidFill>
+                    <a:schemeClr val="bg1"/>
+                  </a:solidFill>
+                  <a:latin typeface="Arial Black" panose="020B0A04020102020204" pitchFamily="34" charset="0"/>
+                  <a:ea typeface="+mn-ea"/>
+                  <a:cs typeface="+mn-cs"/>
+                </a:defRPr>
+              </a:lvl3pPr>
+              <a:lvl4pPr marL="55561" indent="0" algn="l" defTabSz="914377" rtl="0" eaLnBrk="1" latinLnBrk="0" hangingPunct="1">
+                <a:lnSpc>
+                  <a:spcPct val="80000"/>
+                </a:lnSpc>
+                <a:spcBef>
+                  <a:spcPts val="0"/>
+                </a:spcBef>
+                <a:spcAft>
+                  <a:spcPts val="0"/>
+                </a:spcAft>
+                <a:buFont typeface="Arial" panose="020B0604020202020204" pitchFamily="34" charset="0"/>
+                <a:buNone/>
+                <a:defRPr sz="1800" b="0" kern="1200" cap="all" baseline="0">
+                  <a:solidFill>
+                    <a:schemeClr val="bg1"/>
+                  </a:solidFill>
+                  <a:latin typeface="Arial Black" panose="020B0A04020102020204" pitchFamily="34" charset="0"/>
+                  <a:ea typeface="+mn-ea"/>
+                  <a:cs typeface="+mn-cs"/>
+                </a:defRPr>
+              </a:lvl4pPr>
+              <a:lvl5pPr marL="55561" indent="0" algn="l" defTabSz="914377" rtl="0" eaLnBrk="1" latinLnBrk="0" hangingPunct="1">
+                <a:lnSpc>
+                  <a:spcPct val="80000"/>
+                </a:lnSpc>
+                <a:spcBef>
+                  <a:spcPts val="0"/>
+                </a:spcBef>
+                <a:spcAft>
+                  <a:spcPts val="0"/>
+                </a:spcAft>
+                <a:buFont typeface="Graphik" panose="020B0503030202060203" pitchFamily="34" charset="0"/>
+                <a:buNone/>
+                <a:defRPr sz="1800" b="0" kern="1200" cap="all" baseline="0">
+                  <a:solidFill>
+                    <a:schemeClr val="bg1"/>
+                  </a:solidFill>
+                  <a:latin typeface="Arial Black" panose="020B0A04020102020204" pitchFamily="34" charset="0"/>
+                  <a:ea typeface="+mn-ea"/>
+                  <a:cs typeface="+mn-cs"/>
+                </a:defRPr>
+              </a:lvl5pPr>
+              <a:lvl6pPr marL="512750" indent="-173034" algn="l" defTabSz="914377" rtl="0" eaLnBrk="1" latinLnBrk="0" hangingPunct="1">
+                <a:lnSpc>
+                  <a:spcPct val="90000"/>
+                </a:lnSpc>
+                <a:spcBef>
+                  <a:spcPts val="500"/>
+                </a:spcBef>
+                <a:buFont typeface="Arial" panose="020B0604020202020204" pitchFamily="34" charset="0"/>
+                <a:buChar char="•"/>
+                <a:defRPr sz="1400" kern="1200">
+                  <a:solidFill>
+                    <a:schemeClr val="bg1"/>
+                  </a:solidFill>
+                  <a:latin typeface="+mn-lt"/>
+                  <a:ea typeface="+mn-ea"/>
+                  <a:cs typeface="+mn-cs"/>
+                </a:defRPr>
+              </a:lvl6pPr>
+              <a:lvl7pPr marL="0" indent="0" algn="l" defTabSz="914377" rtl="0" eaLnBrk="1" latinLnBrk="0" hangingPunct="1">
+                <a:lnSpc>
+                  <a:spcPct val="90000"/>
+                </a:lnSpc>
+                <a:spcBef>
+                  <a:spcPts val="800"/>
+                </a:spcBef>
+                <a:buFont typeface="Arial" panose="020B0604020202020204" pitchFamily="34" charset="0"/>
+                <a:buNone/>
+                <a:defRPr sz="1200" b="1" kern="1200" cap="all" baseline="0">
+                  <a:solidFill>
+                    <a:schemeClr val="bg1"/>
+                  </a:solidFill>
+                  <a:latin typeface="+mj-lt"/>
+                  <a:ea typeface="+mn-ea"/>
+                  <a:cs typeface="+mn-cs"/>
+                </a:defRPr>
+              </a:lvl7pPr>
+              <a:lvl8pPr marL="0" indent="0" algn="l" defTabSz="914377" rtl="0" eaLnBrk="1" latinLnBrk="0" hangingPunct="1">
+                <a:lnSpc>
+                  <a:spcPct val="100000"/>
+                </a:lnSpc>
+                <a:spcBef>
+                  <a:spcPts val="0"/>
+                </a:spcBef>
+                <a:spcAft>
+                  <a:spcPts val="800"/>
+                </a:spcAft>
+                <a:buFont typeface="Arial" panose="020B0604020202020204" pitchFamily="34" charset="0"/>
+                <a:buNone/>
+                <a:defRPr sz="1800" kern="1200" baseline="0">
+                  <a:solidFill>
+                    <a:schemeClr val="bg1"/>
+                  </a:solidFill>
+                  <a:latin typeface="+mn-lt"/>
+                  <a:ea typeface="+mn-ea"/>
+                  <a:cs typeface="+mn-cs"/>
+                </a:defRPr>
+              </a:lvl8pPr>
+              <a:lvl9pPr marL="0" indent="0" algn="l" defTabSz="914377" rtl="0" eaLnBrk="1" latinLnBrk="0" hangingPunct="1">
+                <a:lnSpc>
+                  <a:spcPct val="110000"/>
+                </a:lnSpc>
+                <a:spcBef>
+                  <a:spcPts val="0"/>
+                </a:spcBef>
+                <a:spcAft>
+                  <a:spcPts val="600"/>
+                </a:spcAft>
+                <a:buFont typeface="Arial" panose="020B0604020202020204" pitchFamily="34" charset="0"/>
+                <a:buNone/>
+                <a:defRPr sz="1200" kern="1200">
+                  <a:solidFill>
+                    <a:schemeClr val="bg1"/>
+                  </a:solidFill>
+                  <a:latin typeface="+mn-lt"/>
+                  <a:ea typeface="+mn-ea"/>
+                  <a:cs typeface="+mn-cs"/>
+                </a:defRPr>
+              </a:lvl9pPr>
+            </a:lstStyle>
+            <a:p>
+              <a:pPr lvl="1"/>
+              <a:r>
+                <a:rPr lang="en-US" sz="2830" spc="-150" dirty="0">
+                  <a:latin typeface="+mj-lt"/>
+                </a:rPr>
+                <a:t>platform</a:t>
+              </a:r>
+            </a:p>
+          </p:txBody>
+        </p:sp>
+        <p:pic>
+          <p:nvPicPr>
+            <p:cNvPr id="17" name="Picture 16"/>
+            <p:cNvPicPr>
+              <a:picLocks noChangeAspect="1"/>
+            </p:cNvPicPr>
+            <p:nvPr/>
+          </p:nvPicPr>
+          <p:blipFill>
+            <a:blip r:embed="rId3"/>
+            <a:stretch>
+              <a:fillRect/>
+            </a:stretch>
+          </p:blipFill>
+          <p:spPr>
+            <a:xfrm>
+              <a:off x="8747339" y="1334289"/>
+              <a:ext cx="1885165" cy="942583"/>
+            </a:xfrm>
+            <a:prstGeom prst="rect">
+              <a:avLst/>
+            </a:prstGeom>
+          </p:spPr>
+        </p:pic>
+        <p:sp>
+          <p:nvSpPr>
+            <p:cNvPr id="18" name="Text Placeholder 2"/>
+            <p:cNvSpPr txBox="1">
+              <a:spLocks/>
+            </p:cNvSpPr>
+            <p:nvPr/>
+          </p:nvSpPr>
+          <p:spPr>
+            <a:xfrm>
+              <a:off x="8753863" y="1988840"/>
+              <a:ext cx="1878641" cy="458145"/>
+            </a:xfrm>
+            <a:prstGeom prst="rect">
+              <a:avLst/>
+            </a:prstGeom>
+          </p:spPr>
+          <p:txBody>
+            <a:bodyPr vert="horz" lIns="0" tIns="91440" rIns="0" bIns="45720" rtlCol="0">
+              <a:noAutofit/>
+            </a:bodyPr>
+            <a:lstStyle>
+              <a:lvl1pPr marL="0" indent="1588" algn="l" defTabSz="914377" rtl="0" eaLnBrk="1" latinLnBrk="0" hangingPunct="1">
+                <a:lnSpc>
+                  <a:spcPct val="70000"/>
+                </a:lnSpc>
+                <a:spcBef>
+                  <a:spcPts val="0"/>
+                </a:spcBef>
+                <a:buFont typeface="Arial" panose="020B0604020202020204" pitchFamily="34" charset="0"/>
+                <a:buNone/>
+                <a:defRPr sz="4000" b="0" kern="1200" cap="all" baseline="0">
+                  <a:solidFill>
+                    <a:schemeClr val="bg1"/>
+                  </a:solidFill>
+                  <a:latin typeface="Arial Black" panose="020B0A04020102020204" pitchFamily="34" charset="0"/>
+                  <a:ea typeface="+mn-ea"/>
+                  <a:cs typeface="Arial" panose="020B0604020202020204" pitchFamily="34" charset="0"/>
+                </a:defRPr>
+              </a:lvl1pPr>
+              <a:lvl2pPr marL="55561" indent="0" algn="l" defTabSz="914377" rtl="0" eaLnBrk="1" latinLnBrk="0" hangingPunct="1">
+                <a:lnSpc>
+                  <a:spcPct val="80000"/>
+                </a:lnSpc>
+                <a:spcBef>
+                  <a:spcPts val="0"/>
+                </a:spcBef>
+                <a:spcAft>
+                  <a:spcPts val="0"/>
+                </a:spcAft>
+                <a:buFont typeface="Arial" panose="020B0604020202020204" pitchFamily="34" charset="0"/>
+                <a:buNone/>
+                <a:defRPr sz="2400" b="0" kern="1200" cap="all" baseline="0">
+                  <a:solidFill>
+                    <a:schemeClr val="bg1"/>
+                  </a:solidFill>
+                  <a:latin typeface="Arial Black" panose="020B0A04020102020204" pitchFamily="34" charset="0"/>
+                  <a:ea typeface="+mn-ea"/>
+                  <a:cs typeface="Arial" panose="020B0604020202020204" pitchFamily="34" charset="0"/>
+                </a:defRPr>
+              </a:lvl2pPr>
+              <a:lvl3pPr marL="55561" indent="0" algn="l" defTabSz="914377" rtl="0" eaLnBrk="1" latinLnBrk="0" hangingPunct="1">
+                <a:lnSpc>
+                  <a:spcPct val="80000"/>
+                </a:lnSpc>
+                <a:spcBef>
+                  <a:spcPts val="0"/>
+                </a:spcBef>
+                <a:spcAft>
+                  <a:spcPts val="0"/>
+                </a:spcAft>
+                <a:buFont typeface="Arial" panose="020B0604020202020204" pitchFamily="34" charset="0"/>
+                <a:buNone/>
+                <a:defRPr sz="1800" b="0" kern="1200" cap="all" baseline="0">
+                  <a:solidFill>
+                    <a:schemeClr val="bg1"/>
+                  </a:solidFill>
+                  <a:latin typeface="Arial Black" panose="020B0A04020102020204" pitchFamily="34" charset="0"/>
+                  <a:ea typeface="+mn-ea"/>
+                  <a:cs typeface="+mn-cs"/>
+                </a:defRPr>
+              </a:lvl3pPr>
+              <a:lvl4pPr marL="55561" indent="0" algn="l" defTabSz="914377" rtl="0" eaLnBrk="1" latinLnBrk="0" hangingPunct="1">
+                <a:lnSpc>
+                  <a:spcPct val="80000"/>
+                </a:lnSpc>
+                <a:spcBef>
+                  <a:spcPts val="0"/>
+                </a:spcBef>
+                <a:spcAft>
+                  <a:spcPts val="0"/>
+                </a:spcAft>
+                <a:buFont typeface="Arial" panose="020B0604020202020204" pitchFamily="34" charset="0"/>
+                <a:buNone/>
+                <a:defRPr sz="1800" b="0" kern="1200" cap="all" baseline="0">
+                  <a:solidFill>
+                    <a:schemeClr val="bg1"/>
+                  </a:solidFill>
+                  <a:latin typeface="Arial Black" panose="020B0A04020102020204" pitchFamily="34" charset="0"/>
+                  <a:ea typeface="+mn-ea"/>
+                  <a:cs typeface="+mn-cs"/>
+                </a:defRPr>
+              </a:lvl4pPr>
+              <a:lvl5pPr marL="55561" indent="0" algn="l" defTabSz="914377" rtl="0" eaLnBrk="1" latinLnBrk="0" hangingPunct="1">
+                <a:lnSpc>
+                  <a:spcPct val="80000"/>
+                </a:lnSpc>
+                <a:spcBef>
+                  <a:spcPts val="0"/>
+                </a:spcBef>
+                <a:spcAft>
+                  <a:spcPts val="0"/>
+                </a:spcAft>
+                <a:buFont typeface="Graphik" panose="020B0503030202060203" pitchFamily="34" charset="0"/>
+                <a:buNone/>
+                <a:defRPr sz="1800" b="0" kern="1200" cap="all" baseline="0">
+                  <a:solidFill>
+                    <a:schemeClr val="bg1"/>
+                  </a:solidFill>
+                  <a:latin typeface="Arial Black" panose="020B0A04020102020204" pitchFamily="34" charset="0"/>
+                  <a:ea typeface="+mn-ea"/>
+                  <a:cs typeface="+mn-cs"/>
+                </a:defRPr>
+              </a:lvl5pPr>
+              <a:lvl6pPr marL="512750" indent="-173034" algn="l" defTabSz="914377" rtl="0" eaLnBrk="1" latinLnBrk="0" hangingPunct="1">
+                <a:lnSpc>
+                  <a:spcPct val="90000"/>
+                </a:lnSpc>
+                <a:spcBef>
+                  <a:spcPts val="500"/>
+                </a:spcBef>
+                <a:buFont typeface="Arial" panose="020B0604020202020204" pitchFamily="34" charset="0"/>
+                <a:buChar char="•"/>
+                <a:defRPr sz="1400" kern="1200">
+                  <a:solidFill>
+                    <a:schemeClr val="bg1"/>
+                  </a:solidFill>
+                  <a:latin typeface="+mn-lt"/>
+                  <a:ea typeface="+mn-ea"/>
+                  <a:cs typeface="+mn-cs"/>
+                </a:defRPr>
+              </a:lvl6pPr>
+              <a:lvl7pPr marL="0" indent="0" algn="l" defTabSz="914377" rtl="0" eaLnBrk="1" latinLnBrk="0" hangingPunct="1">
+                <a:lnSpc>
+                  <a:spcPct val="90000"/>
+                </a:lnSpc>
+                <a:spcBef>
+                  <a:spcPts val="800"/>
+                </a:spcBef>
+                <a:buFont typeface="Arial" panose="020B0604020202020204" pitchFamily="34" charset="0"/>
+                <a:buNone/>
+                <a:defRPr sz="1200" b="1" kern="1200" cap="all" baseline="0">
+                  <a:solidFill>
+                    <a:schemeClr val="bg1"/>
+                  </a:solidFill>
+                  <a:latin typeface="+mj-lt"/>
+                  <a:ea typeface="+mn-ea"/>
+                  <a:cs typeface="+mn-cs"/>
+                </a:defRPr>
+              </a:lvl7pPr>
+              <a:lvl8pPr marL="0" indent="0" algn="l" defTabSz="914377" rtl="0" eaLnBrk="1" latinLnBrk="0" hangingPunct="1">
+                <a:lnSpc>
+                  <a:spcPct val="100000"/>
+                </a:lnSpc>
+                <a:spcBef>
+                  <a:spcPts val="0"/>
+                </a:spcBef>
+                <a:spcAft>
+                  <a:spcPts val="800"/>
+                </a:spcAft>
+                <a:buFont typeface="Arial" panose="020B0604020202020204" pitchFamily="34" charset="0"/>
+                <a:buNone/>
+                <a:defRPr sz="1800" kern="1200" baseline="0">
+                  <a:solidFill>
+                    <a:schemeClr val="bg1"/>
+                  </a:solidFill>
+                  <a:latin typeface="+mn-lt"/>
+                  <a:ea typeface="+mn-ea"/>
+                  <a:cs typeface="+mn-cs"/>
+                </a:defRPr>
+              </a:lvl8pPr>
+              <a:lvl9pPr marL="0" indent="0" algn="l" defTabSz="914377" rtl="0" eaLnBrk="1" latinLnBrk="0" hangingPunct="1">
+                <a:lnSpc>
+                  <a:spcPct val="110000"/>
+                </a:lnSpc>
+                <a:spcBef>
+                  <a:spcPts val="0"/>
+                </a:spcBef>
+                <a:spcAft>
+                  <a:spcPts val="600"/>
+                </a:spcAft>
+                <a:buFont typeface="Arial" panose="020B0604020202020204" pitchFamily="34" charset="0"/>
+                <a:buNone/>
+                <a:defRPr sz="1200" kern="1200">
+                  <a:solidFill>
+                    <a:schemeClr val="bg1"/>
+                  </a:solidFill>
+                  <a:latin typeface="+mn-lt"/>
+                  <a:ea typeface="+mn-ea"/>
+                  <a:cs typeface="+mn-cs"/>
+                </a:defRPr>
+              </a:lvl9pPr>
+            </a:lstStyle>
+            <a:p>
+              <a:pPr lvl="1"/>
+              <a:r>
+                <a:rPr lang="en-US" sz="2830" spc="-150" dirty="0">
+                  <a:latin typeface="+mj-lt"/>
+                </a:rPr>
+                <a:t>platf</a:t>
+              </a:r>
+            </a:p>
+          </p:txBody>
+        </p:sp>
+      </p:grpSp>
     </p:spTree>
     <p:extLst>
       <p:ext uri="{BB962C8B-B14F-4D97-AF65-F5344CB8AC3E}">
@@ -7365,6 +7594,479 @@
           </a:p>
         </p:txBody>
       </p:sp>
+      <p:grpSp>
+        <p:nvGrpSpPr>
+          <p:cNvPr id="14" name="Group 13"/>
+          <p:cNvGrpSpPr/>
+          <p:nvPr/>
+        </p:nvGrpSpPr>
+        <p:grpSpPr>
+          <a:xfrm>
+            <a:off x="9959933" y="92812"/>
+            <a:ext cx="1885165" cy="1112696"/>
+            <a:chOff x="8747339" y="1334289"/>
+            <a:chExt cx="1885165" cy="1112696"/>
+          </a:xfrm>
+        </p:grpSpPr>
+        <p:sp>
+          <p:nvSpPr>
+            <p:cNvPr id="15" name="Text Placeholder 2"/>
+            <p:cNvSpPr txBox="1">
+              <a:spLocks/>
+            </p:cNvSpPr>
+            <p:nvPr/>
+          </p:nvSpPr>
+          <p:spPr>
+            <a:xfrm>
+              <a:off x="8753863" y="1986281"/>
+              <a:ext cx="1878641" cy="458145"/>
+            </a:xfrm>
+            <a:prstGeom prst="rect">
+              <a:avLst/>
+            </a:prstGeom>
+          </p:spPr>
+          <p:txBody>
+            <a:bodyPr vert="horz" lIns="0" tIns="91440" rIns="0" bIns="45720" rtlCol="0">
+              <a:noAutofit/>
+            </a:bodyPr>
+            <a:lstStyle>
+              <a:lvl1pPr marL="0" indent="1588" algn="l" defTabSz="914377" rtl="0" eaLnBrk="1" latinLnBrk="0" hangingPunct="1">
+                <a:lnSpc>
+                  <a:spcPct val="70000"/>
+                </a:lnSpc>
+                <a:spcBef>
+                  <a:spcPts val="0"/>
+                </a:spcBef>
+                <a:buFont typeface="Arial" panose="020B0604020202020204" pitchFamily="34" charset="0"/>
+                <a:buNone/>
+                <a:defRPr sz="4000" b="0" kern="1200" cap="all" baseline="0">
+                  <a:solidFill>
+                    <a:schemeClr val="bg1"/>
+                  </a:solidFill>
+                  <a:latin typeface="Arial Black" panose="020B0A04020102020204" pitchFamily="34" charset="0"/>
+                  <a:ea typeface="+mn-ea"/>
+                  <a:cs typeface="Arial" panose="020B0604020202020204" pitchFamily="34" charset="0"/>
+                </a:defRPr>
+              </a:lvl1pPr>
+              <a:lvl2pPr marL="55561" indent="0" algn="l" defTabSz="914377" rtl="0" eaLnBrk="1" latinLnBrk="0" hangingPunct="1">
+                <a:lnSpc>
+                  <a:spcPct val="80000"/>
+                </a:lnSpc>
+                <a:spcBef>
+                  <a:spcPts val="0"/>
+                </a:spcBef>
+                <a:spcAft>
+                  <a:spcPts val="0"/>
+                </a:spcAft>
+                <a:buFont typeface="Arial" panose="020B0604020202020204" pitchFamily="34" charset="0"/>
+                <a:buNone/>
+                <a:defRPr sz="2400" b="0" kern="1200" cap="all" baseline="0">
+                  <a:solidFill>
+                    <a:schemeClr val="bg1"/>
+                  </a:solidFill>
+                  <a:latin typeface="Arial Black" panose="020B0A04020102020204" pitchFamily="34" charset="0"/>
+                  <a:ea typeface="+mn-ea"/>
+                  <a:cs typeface="Arial" panose="020B0604020202020204" pitchFamily="34" charset="0"/>
+                </a:defRPr>
+              </a:lvl2pPr>
+              <a:lvl3pPr marL="55561" indent="0" algn="l" defTabSz="914377" rtl="0" eaLnBrk="1" latinLnBrk="0" hangingPunct="1">
+                <a:lnSpc>
+                  <a:spcPct val="80000"/>
+                </a:lnSpc>
+                <a:spcBef>
+                  <a:spcPts val="0"/>
+                </a:spcBef>
+                <a:spcAft>
+                  <a:spcPts val="0"/>
+                </a:spcAft>
+                <a:buFont typeface="Arial" panose="020B0604020202020204" pitchFamily="34" charset="0"/>
+                <a:buNone/>
+                <a:defRPr sz="1800" b="0" kern="1200" cap="all" baseline="0">
+                  <a:solidFill>
+                    <a:schemeClr val="bg1"/>
+                  </a:solidFill>
+                  <a:latin typeface="Arial Black" panose="020B0A04020102020204" pitchFamily="34" charset="0"/>
+                  <a:ea typeface="+mn-ea"/>
+                  <a:cs typeface="+mn-cs"/>
+                </a:defRPr>
+              </a:lvl3pPr>
+              <a:lvl4pPr marL="55561" indent="0" algn="l" defTabSz="914377" rtl="0" eaLnBrk="1" latinLnBrk="0" hangingPunct="1">
+                <a:lnSpc>
+                  <a:spcPct val="80000"/>
+                </a:lnSpc>
+                <a:spcBef>
+                  <a:spcPts val="0"/>
+                </a:spcBef>
+                <a:spcAft>
+                  <a:spcPts val="0"/>
+                </a:spcAft>
+                <a:buFont typeface="Arial" panose="020B0604020202020204" pitchFamily="34" charset="0"/>
+                <a:buNone/>
+                <a:defRPr sz="1800" b="0" kern="1200" cap="all" baseline="0">
+                  <a:solidFill>
+                    <a:schemeClr val="bg1"/>
+                  </a:solidFill>
+                  <a:latin typeface="Arial Black" panose="020B0A04020102020204" pitchFamily="34" charset="0"/>
+                  <a:ea typeface="+mn-ea"/>
+                  <a:cs typeface="+mn-cs"/>
+                </a:defRPr>
+              </a:lvl4pPr>
+              <a:lvl5pPr marL="55561" indent="0" algn="l" defTabSz="914377" rtl="0" eaLnBrk="1" latinLnBrk="0" hangingPunct="1">
+                <a:lnSpc>
+                  <a:spcPct val="80000"/>
+                </a:lnSpc>
+                <a:spcBef>
+                  <a:spcPts val="0"/>
+                </a:spcBef>
+                <a:spcAft>
+                  <a:spcPts val="0"/>
+                </a:spcAft>
+                <a:buFont typeface="Graphik" panose="020B0503030202060203" pitchFamily="34" charset="0"/>
+                <a:buNone/>
+                <a:defRPr sz="1800" b="0" kern="1200" cap="all" baseline="0">
+                  <a:solidFill>
+                    <a:schemeClr val="bg1"/>
+                  </a:solidFill>
+                  <a:latin typeface="Arial Black" panose="020B0A04020102020204" pitchFamily="34" charset="0"/>
+                  <a:ea typeface="+mn-ea"/>
+                  <a:cs typeface="+mn-cs"/>
+                </a:defRPr>
+              </a:lvl5pPr>
+              <a:lvl6pPr marL="512750" indent="-173034" algn="l" defTabSz="914377" rtl="0" eaLnBrk="1" latinLnBrk="0" hangingPunct="1">
+                <a:lnSpc>
+                  <a:spcPct val="90000"/>
+                </a:lnSpc>
+                <a:spcBef>
+                  <a:spcPts val="500"/>
+                </a:spcBef>
+                <a:buFont typeface="Arial" panose="020B0604020202020204" pitchFamily="34" charset="0"/>
+                <a:buChar char="•"/>
+                <a:defRPr sz="1400" kern="1200">
+                  <a:solidFill>
+                    <a:schemeClr val="bg1"/>
+                  </a:solidFill>
+                  <a:latin typeface="+mn-lt"/>
+                  <a:ea typeface="+mn-ea"/>
+                  <a:cs typeface="+mn-cs"/>
+                </a:defRPr>
+              </a:lvl6pPr>
+              <a:lvl7pPr marL="0" indent="0" algn="l" defTabSz="914377" rtl="0" eaLnBrk="1" latinLnBrk="0" hangingPunct="1">
+                <a:lnSpc>
+                  <a:spcPct val="90000"/>
+                </a:lnSpc>
+                <a:spcBef>
+                  <a:spcPts val="800"/>
+                </a:spcBef>
+                <a:buFont typeface="Arial" panose="020B0604020202020204" pitchFamily="34" charset="0"/>
+                <a:buNone/>
+                <a:defRPr sz="1200" b="1" kern="1200" cap="all" baseline="0">
+                  <a:solidFill>
+                    <a:schemeClr val="bg1"/>
+                  </a:solidFill>
+                  <a:latin typeface="+mj-lt"/>
+                  <a:ea typeface="+mn-ea"/>
+                  <a:cs typeface="+mn-cs"/>
+                </a:defRPr>
+              </a:lvl7pPr>
+              <a:lvl8pPr marL="0" indent="0" algn="l" defTabSz="914377" rtl="0" eaLnBrk="1" latinLnBrk="0" hangingPunct="1">
+                <a:lnSpc>
+                  <a:spcPct val="100000"/>
+                </a:lnSpc>
+                <a:spcBef>
+                  <a:spcPts val="0"/>
+                </a:spcBef>
+                <a:spcAft>
+                  <a:spcPts val="800"/>
+                </a:spcAft>
+                <a:buFont typeface="Arial" panose="020B0604020202020204" pitchFamily="34" charset="0"/>
+                <a:buNone/>
+                <a:defRPr sz="1800" kern="1200" baseline="0">
+                  <a:solidFill>
+                    <a:schemeClr val="bg1"/>
+                  </a:solidFill>
+                  <a:latin typeface="+mn-lt"/>
+                  <a:ea typeface="+mn-ea"/>
+                  <a:cs typeface="+mn-cs"/>
+                </a:defRPr>
+              </a:lvl8pPr>
+              <a:lvl9pPr marL="0" indent="0" algn="l" defTabSz="914377" rtl="0" eaLnBrk="1" latinLnBrk="0" hangingPunct="1">
+                <a:lnSpc>
+                  <a:spcPct val="110000"/>
+                </a:lnSpc>
+                <a:spcBef>
+                  <a:spcPts val="0"/>
+                </a:spcBef>
+                <a:spcAft>
+                  <a:spcPts val="600"/>
+                </a:spcAft>
+                <a:buFont typeface="Arial" panose="020B0604020202020204" pitchFamily="34" charset="0"/>
+                <a:buNone/>
+                <a:defRPr sz="1200" kern="1200">
+                  <a:solidFill>
+                    <a:schemeClr val="bg1"/>
+                  </a:solidFill>
+                  <a:latin typeface="+mn-lt"/>
+                  <a:ea typeface="+mn-ea"/>
+                  <a:cs typeface="+mn-cs"/>
+                </a:defRPr>
+              </a:lvl9pPr>
+            </a:lstStyle>
+            <a:p>
+              <a:pPr lvl="1"/>
+              <a:r>
+                <a:rPr lang="en-US" sz="2830" spc="-150" dirty="0">
+                  <a:solidFill>
+                    <a:srgbClr val="FF9128"/>
+                  </a:solidFill>
+                  <a:latin typeface="+mj-lt"/>
+                </a:rPr>
+                <a:t>platform</a:t>
+              </a:r>
+            </a:p>
+          </p:txBody>
+        </p:sp>
+        <p:pic>
+          <p:nvPicPr>
+            <p:cNvPr id="16" name="Picture 15"/>
+            <p:cNvPicPr>
+              <a:picLocks noChangeAspect="1"/>
+            </p:cNvPicPr>
+            <p:nvPr/>
+          </p:nvPicPr>
+          <p:blipFill>
+            <a:blip r:embed="rId3"/>
+            <a:stretch>
+              <a:fillRect/>
+            </a:stretch>
+          </p:blipFill>
+          <p:spPr>
+            <a:xfrm>
+              <a:off x="8747339" y="1334289"/>
+              <a:ext cx="1885165" cy="942583"/>
+            </a:xfrm>
+            <a:prstGeom prst="rect">
+              <a:avLst/>
+            </a:prstGeom>
+          </p:spPr>
+        </p:pic>
+        <p:sp>
+          <p:nvSpPr>
+            <p:cNvPr id="17" name="Text Placeholder 2"/>
+            <p:cNvSpPr txBox="1">
+              <a:spLocks/>
+            </p:cNvSpPr>
+            <p:nvPr/>
+          </p:nvSpPr>
+          <p:spPr>
+            <a:xfrm>
+              <a:off x="8753863" y="1988840"/>
+              <a:ext cx="1878641" cy="458145"/>
+            </a:xfrm>
+            <a:prstGeom prst="rect">
+              <a:avLst/>
+            </a:prstGeom>
+          </p:spPr>
+          <p:txBody>
+            <a:bodyPr vert="horz" lIns="0" tIns="91440" rIns="0" bIns="45720" rtlCol="0">
+              <a:noAutofit/>
+            </a:bodyPr>
+            <a:lstStyle>
+              <a:lvl1pPr marL="0" indent="1588" algn="l" defTabSz="914377" rtl="0" eaLnBrk="1" latinLnBrk="0" hangingPunct="1">
+                <a:lnSpc>
+                  <a:spcPct val="70000"/>
+                </a:lnSpc>
+                <a:spcBef>
+                  <a:spcPts val="0"/>
+                </a:spcBef>
+                <a:buFont typeface="Arial" panose="020B0604020202020204" pitchFamily="34" charset="0"/>
+                <a:buNone/>
+                <a:defRPr sz="4000" b="0" kern="1200" cap="all" baseline="0">
+                  <a:solidFill>
+                    <a:schemeClr val="bg1"/>
+                  </a:solidFill>
+                  <a:latin typeface="Arial Black" panose="020B0A04020102020204" pitchFamily="34" charset="0"/>
+                  <a:ea typeface="+mn-ea"/>
+                  <a:cs typeface="Arial" panose="020B0604020202020204" pitchFamily="34" charset="0"/>
+                </a:defRPr>
+              </a:lvl1pPr>
+              <a:lvl2pPr marL="55561" indent="0" algn="l" defTabSz="914377" rtl="0" eaLnBrk="1" latinLnBrk="0" hangingPunct="1">
+                <a:lnSpc>
+                  <a:spcPct val="80000"/>
+                </a:lnSpc>
+                <a:spcBef>
+                  <a:spcPts val="0"/>
+                </a:spcBef>
+                <a:spcAft>
+                  <a:spcPts val="0"/>
+                </a:spcAft>
+                <a:buFont typeface="Arial" panose="020B0604020202020204" pitchFamily="34" charset="0"/>
+                <a:buNone/>
+                <a:defRPr sz="2400" b="0" kern="1200" cap="all" baseline="0">
+                  <a:solidFill>
+                    <a:schemeClr val="bg1"/>
+                  </a:solidFill>
+                  <a:latin typeface="Arial Black" panose="020B0A04020102020204" pitchFamily="34" charset="0"/>
+                  <a:ea typeface="+mn-ea"/>
+                  <a:cs typeface="Arial" panose="020B0604020202020204" pitchFamily="34" charset="0"/>
+                </a:defRPr>
+              </a:lvl2pPr>
+              <a:lvl3pPr marL="55561" indent="0" algn="l" defTabSz="914377" rtl="0" eaLnBrk="1" latinLnBrk="0" hangingPunct="1">
+                <a:lnSpc>
+                  <a:spcPct val="80000"/>
+                </a:lnSpc>
+                <a:spcBef>
+                  <a:spcPts val="0"/>
+                </a:spcBef>
+                <a:spcAft>
+                  <a:spcPts val="0"/>
+                </a:spcAft>
+                <a:buFont typeface="Arial" panose="020B0604020202020204" pitchFamily="34" charset="0"/>
+                <a:buNone/>
+                <a:defRPr sz="1800" b="0" kern="1200" cap="all" baseline="0">
+                  <a:solidFill>
+                    <a:schemeClr val="bg1"/>
+                  </a:solidFill>
+                  <a:latin typeface="Arial Black" panose="020B0A04020102020204" pitchFamily="34" charset="0"/>
+                  <a:ea typeface="+mn-ea"/>
+                  <a:cs typeface="+mn-cs"/>
+                </a:defRPr>
+              </a:lvl3pPr>
+              <a:lvl4pPr marL="55561" indent="0" algn="l" defTabSz="914377" rtl="0" eaLnBrk="1" latinLnBrk="0" hangingPunct="1">
+                <a:lnSpc>
+                  <a:spcPct val="80000"/>
+                </a:lnSpc>
+                <a:spcBef>
+                  <a:spcPts val="0"/>
+                </a:spcBef>
+                <a:spcAft>
+                  <a:spcPts val="0"/>
+                </a:spcAft>
+                <a:buFont typeface="Arial" panose="020B0604020202020204" pitchFamily="34" charset="0"/>
+                <a:buNone/>
+                <a:defRPr sz="1800" b="0" kern="1200" cap="all" baseline="0">
+                  <a:solidFill>
+                    <a:schemeClr val="bg1"/>
+                  </a:solidFill>
+                  <a:latin typeface="Arial Black" panose="020B0A04020102020204" pitchFamily="34" charset="0"/>
+                  <a:ea typeface="+mn-ea"/>
+                  <a:cs typeface="+mn-cs"/>
+                </a:defRPr>
+              </a:lvl4pPr>
+              <a:lvl5pPr marL="55561" indent="0" algn="l" defTabSz="914377" rtl="0" eaLnBrk="1" latinLnBrk="0" hangingPunct="1">
+                <a:lnSpc>
+                  <a:spcPct val="80000"/>
+                </a:lnSpc>
+                <a:spcBef>
+                  <a:spcPts val="0"/>
+                </a:spcBef>
+                <a:spcAft>
+                  <a:spcPts val="0"/>
+                </a:spcAft>
+                <a:buFont typeface="Graphik" panose="020B0503030202060203" pitchFamily="34" charset="0"/>
+                <a:buNone/>
+                <a:defRPr sz="1800" b="0" kern="1200" cap="all" baseline="0">
+                  <a:solidFill>
+                    <a:schemeClr val="bg1"/>
+                  </a:solidFill>
+                  <a:latin typeface="Arial Black" panose="020B0A04020102020204" pitchFamily="34" charset="0"/>
+                  <a:ea typeface="+mn-ea"/>
+                  <a:cs typeface="+mn-cs"/>
+                </a:defRPr>
+              </a:lvl5pPr>
+              <a:lvl6pPr marL="512750" indent="-173034" algn="l" defTabSz="914377" rtl="0" eaLnBrk="1" latinLnBrk="0" hangingPunct="1">
+                <a:lnSpc>
+                  <a:spcPct val="90000"/>
+                </a:lnSpc>
+                <a:spcBef>
+                  <a:spcPts val="500"/>
+                </a:spcBef>
+                <a:buFont typeface="Arial" panose="020B0604020202020204" pitchFamily="34" charset="0"/>
+                <a:buChar char="•"/>
+                <a:defRPr sz="1400" kern="1200">
+                  <a:solidFill>
+                    <a:schemeClr val="bg1"/>
+                  </a:solidFill>
+                  <a:latin typeface="+mn-lt"/>
+                  <a:ea typeface="+mn-ea"/>
+                  <a:cs typeface="+mn-cs"/>
+                </a:defRPr>
+              </a:lvl6pPr>
+              <a:lvl7pPr marL="0" indent="0" algn="l" defTabSz="914377" rtl="0" eaLnBrk="1" latinLnBrk="0" hangingPunct="1">
+                <a:lnSpc>
+                  <a:spcPct val="90000"/>
+                </a:lnSpc>
+                <a:spcBef>
+                  <a:spcPts val="800"/>
+                </a:spcBef>
+                <a:buFont typeface="Arial" panose="020B0604020202020204" pitchFamily="34" charset="0"/>
+                <a:buNone/>
+                <a:defRPr sz="1200" b="1" kern="1200" cap="all" baseline="0">
+                  <a:solidFill>
+                    <a:schemeClr val="bg1"/>
+                  </a:solidFill>
+                  <a:latin typeface="+mj-lt"/>
+                  <a:ea typeface="+mn-ea"/>
+                  <a:cs typeface="+mn-cs"/>
+                </a:defRPr>
+              </a:lvl7pPr>
+              <a:lvl8pPr marL="0" indent="0" algn="l" defTabSz="914377" rtl="0" eaLnBrk="1" latinLnBrk="0" hangingPunct="1">
+                <a:lnSpc>
+                  <a:spcPct val="100000"/>
+                </a:lnSpc>
+                <a:spcBef>
+                  <a:spcPts val="0"/>
+                </a:spcBef>
+                <a:spcAft>
+                  <a:spcPts val="800"/>
+                </a:spcAft>
+                <a:buFont typeface="Arial" panose="020B0604020202020204" pitchFamily="34" charset="0"/>
+                <a:buNone/>
+                <a:defRPr sz="1800" kern="1200" baseline="0">
+                  <a:solidFill>
+                    <a:schemeClr val="bg1"/>
+                  </a:solidFill>
+                  <a:latin typeface="+mn-lt"/>
+                  <a:ea typeface="+mn-ea"/>
+                  <a:cs typeface="+mn-cs"/>
+                </a:defRPr>
+              </a:lvl8pPr>
+              <a:lvl9pPr marL="0" indent="0" algn="l" defTabSz="914377" rtl="0" eaLnBrk="1" latinLnBrk="0" hangingPunct="1">
+                <a:lnSpc>
+                  <a:spcPct val="110000"/>
+                </a:lnSpc>
+                <a:spcBef>
+                  <a:spcPts val="0"/>
+                </a:spcBef>
+                <a:spcAft>
+                  <a:spcPts val="600"/>
+                </a:spcAft>
+                <a:buFont typeface="Arial" panose="020B0604020202020204" pitchFamily="34" charset="0"/>
+                <a:buNone/>
+                <a:defRPr sz="1200" kern="1200">
+                  <a:solidFill>
+                    <a:schemeClr val="bg1"/>
+                  </a:solidFill>
+                  <a:latin typeface="+mn-lt"/>
+                  <a:ea typeface="+mn-ea"/>
+                  <a:cs typeface="+mn-cs"/>
+                </a:defRPr>
+              </a:lvl9pPr>
+            </a:lstStyle>
+            <a:p>
+              <a:pPr lvl="1"/>
+              <a:r>
+                <a:rPr lang="en-US" sz="2830" spc="-150" dirty="0">
+                  <a:solidFill>
+                    <a:srgbClr val="FF9128"/>
+                  </a:solidFill>
+                  <a:latin typeface="+mj-lt"/>
+                </a:rPr>
+                <a:t>platf</a:t>
+              </a:r>
+            </a:p>
+          </p:txBody>
+        </p:sp>
+      </p:grpSp>
     </p:spTree>
     <p:extLst>
       <p:ext uri="{BB962C8B-B14F-4D97-AF65-F5344CB8AC3E}">
@@ -7731,6 +8433,479 @@
           </a:p>
         </p:txBody>
       </p:sp>
+      <p:grpSp>
+        <p:nvGrpSpPr>
+          <p:cNvPr id="12" name="Group 11"/>
+          <p:cNvGrpSpPr/>
+          <p:nvPr/>
+        </p:nvGrpSpPr>
+        <p:grpSpPr>
+          <a:xfrm>
+            <a:off x="9959933" y="92812"/>
+            <a:ext cx="1885165" cy="1112696"/>
+            <a:chOff x="8747339" y="1334289"/>
+            <a:chExt cx="1885165" cy="1112696"/>
+          </a:xfrm>
+        </p:grpSpPr>
+        <p:sp>
+          <p:nvSpPr>
+            <p:cNvPr id="14" name="Text Placeholder 2"/>
+            <p:cNvSpPr txBox="1">
+              <a:spLocks/>
+            </p:cNvSpPr>
+            <p:nvPr/>
+          </p:nvSpPr>
+          <p:spPr>
+            <a:xfrm>
+              <a:off x="8753863" y="1986281"/>
+              <a:ext cx="1878641" cy="458145"/>
+            </a:xfrm>
+            <a:prstGeom prst="rect">
+              <a:avLst/>
+            </a:prstGeom>
+          </p:spPr>
+          <p:txBody>
+            <a:bodyPr vert="horz" lIns="0" tIns="91440" rIns="0" bIns="45720" rtlCol="0">
+              <a:noAutofit/>
+            </a:bodyPr>
+            <a:lstStyle>
+              <a:lvl1pPr marL="0" indent="1588" algn="l" defTabSz="914377" rtl="0" eaLnBrk="1" latinLnBrk="0" hangingPunct="1">
+                <a:lnSpc>
+                  <a:spcPct val="70000"/>
+                </a:lnSpc>
+                <a:spcBef>
+                  <a:spcPts val="0"/>
+                </a:spcBef>
+                <a:buFont typeface="Arial" panose="020B0604020202020204" pitchFamily="34" charset="0"/>
+                <a:buNone/>
+                <a:defRPr sz="4000" b="0" kern="1200" cap="all" baseline="0">
+                  <a:solidFill>
+                    <a:schemeClr val="bg1"/>
+                  </a:solidFill>
+                  <a:latin typeface="Arial Black" panose="020B0A04020102020204" pitchFamily="34" charset="0"/>
+                  <a:ea typeface="+mn-ea"/>
+                  <a:cs typeface="Arial" panose="020B0604020202020204" pitchFamily="34" charset="0"/>
+                </a:defRPr>
+              </a:lvl1pPr>
+              <a:lvl2pPr marL="55561" indent="0" algn="l" defTabSz="914377" rtl="0" eaLnBrk="1" latinLnBrk="0" hangingPunct="1">
+                <a:lnSpc>
+                  <a:spcPct val="80000"/>
+                </a:lnSpc>
+                <a:spcBef>
+                  <a:spcPts val="0"/>
+                </a:spcBef>
+                <a:spcAft>
+                  <a:spcPts val="0"/>
+                </a:spcAft>
+                <a:buFont typeface="Arial" panose="020B0604020202020204" pitchFamily="34" charset="0"/>
+                <a:buNone/>
+                <a:defRPr sz="2400" b="0" kern="1200" cap="all" baseline="0">
+                  <a:solidFill>
+                    <a:schemeClr val="bg1"/>
+                  </a:solidFill>
+                  <a:latin typeface="Arial Black" panose="020B0A04020102020204" pitchFamily="34" charset="0"/>
+                  <a:ea typeface="+mn-ea"/>
+                  <a:cs typeface="Arial" panose="020B0604020202020204" pitchFamily="34" charset="0"/>
+                </a:defRPr>
+              </a:lvl2pPr>
+              <a:lvl3pPr marL="55561" indent="0" algn="l" defTabSz="914377" rtl="0" eaLnBrk="1" latinLnBrk="0" hangingPunct="1">
+                <a:lnSpc>
+                  <a:spcPct val="80000"/>
+                </a:lnSpc>
+                <a:spcBef>
+                  <a:spcPts val="0"/>
+                </a:spcBef>
+                <a:spcAft>
+                  <a:spcPts val="0"/>
+                </a:spcAft>
+                <a:buFont typeface="Arial" panose="020B0604020202020204" pitchFamily="34" charset="0"/>
+                <a:buNone/>
+                <a:defRPr sz="1800" b="0" kern="1200" cap="all" baseline="0">
+                  <a:solidFill>
+                    <a:schemeClr val="bg1"/>
+                  </a:solidFill>
+                  <a:latin typeface="Arial Black" panose="020B0A04020102020204" pitchFamily="34" charset="0"/>
+                  <a:ea typeface="+mn-ea"/>
+                  <a:cs typeface="+mn-cs"/>
+                </a:defRPr>
+              </a:lvl3pPr>
+              <a:lvl4pPr marL="55561" indent="0" algn="l" defTabSz="914377" rtl="0" eaLnBrk="1" latinLnBrk="0" hangingPunct="1">
+                <a:lnSpc>
+                  <a:spcPct val="80000"/>
+                </a:lnSpc>
+                <a:spcBef>
+                  <a:spcPts val="0"/>
+                </a:spcBef>
+                <a:spcAft>
+                  <a:spcPts val="0"/>
+                </a:spcAft>
+                <a:buFont typeface="Arial" panose="020B0604020202020204" pitchFamily="34" charset="0"/>
+                <a:buNone/>
+                <a:defRPr sz="1800" b="0" kern="1200" cap="all" baseline="0">
+                  <a:solidFill>
+                    <a:schemeClr val="bg1"/>
+                  </a:solidFill>
+                  <a:latin typeface="Arial Black" panose="020B0A04020102020204" pitchFamily="34" charset="0"/>
+                  <a:ea typeface="+mn-ea"/>
+                  <a:cs typeface="+mn-cs"/>
+                </a:defRPr>
+              </a:lvl4pPr>
+              <a:lvl5pPr marL="55561" indent="0" algn="l" defTabSz="914377" rtl="0" eaLnBrk="1" latinLnBrk="0" hangingPunct="1">
+                <a:lnSpc>
+                  <a:spcPct val="80000"/>
+                </a:lnSpc>
+                <a:spcBef>
+                  <a:spcPts val="0"/>
+                </a:spcBef>
+                <a:spcAft>
+                  <a:spcPts val="0"/>
+                </a:spcAft>
+                <a:buFont typeface="Graphik" panose="020B0503030202060203" pitchFamily="34" charset="0"/>
+                <a:buNone/>
+                <a:defRPr sz="1800" b="0" kern="1200" cap="all" baseline="0">
+                  <a:solidFill>
+                    <a:schemeClr val="bg1"/>
+                  </a:solidFill>
+                  <a:latin typeface="Arial Black" panose="020B0A04020102020204" pitchFamily="34" charset="0"/>
+                  <a:ea typeface="+mn-ea"/>
+                  <a:cs typeface="+mn-cs"/>
+                </a:defRPr>
+              </a:lvl5pPr>
+              <a:lvl6pPr marL="512750" indent="-173034" algn="l" defTabSz="914377" rtl="0" eaLnBrk="1" latinLnBrk="0" hangingPunct="1">
+                <a:lnSpc>
+                  <a:spcPct val="90000"/>
+                </a:lnSpc>
+                <a:spcBef>
+                  <a:spcPts val="500"/>
+                </a:spcBef>
+                <a:buFont typeface="Arial" panose="020B0604020202020204" pitchFamily="34" charset="0"/>
+                <a:buChar char="•"/>
+                <a:defRPr sz="1400" kern="1200">
+                  <a:solidFill>
+                    <a:schemeClr val="bg1"/>
+                  </a:solidFill>
+                  <a:latin typeface="+mn-lt"/>
+                  <a:ea typeface="+mn-ea"/>
+                  <a:cs typeface="+mn-cs"/>
+                </a:defRPr>
+              </a:lvl6pPr>
+              <a:lvl7pPr marL="0" indent="0" algn="l" defTabSz="914377" rtl="0" eaLnBrk="1" latinLnBrk="0" hangingPunct="1">
+                <a:lnSpc>
+                  <a:spcPct val="90000"/>
+                </a:lnSpc>
+                <a:spcBef>
+                  <a:spcPts val="800"/>
+                </a:spcBef>
+                <a:buFont typeface="Arial" panose="020B0604020202020204" pitchFamily="34" charset="0"/>
+                <a:buNone/>
+                <a:defRPr sz="1200" b="1" kern="1200" cap="all" baseline="0">
+                  <a:solidFill>
+                    <a:schemeClr val="bg1"/>
+                  </a:solidFill>
+                  <a:latin typeface="+mj-lt"/>
+                  <a:ea typeface="+mn-ea"/>
+                  <a:cs typeface="+mn-cs"/>
+                </a:defRPr>
+              </a:lvl7pPr>
+              <a:lvl8pPr marL="0" indent="0" algn="l" defTabSz="914377" rtl="0" eaLnBrk="1" latinLnBrk="0" hangingPunct="1">
+                <a:lnSpc>
+                  <a:spcPct val="100000"/>
+                </a:lnSpc>
+                <a:spcBef>
+                  <a:spcPts val="0"/>
+                </a:spcBef>
+                <a:spcAft>
+                  <a:spcPts val="800"/>
+                </a:spcAft>
+                <a:buFont typeface="Arial" panose="020B0604020202020204" pitchFamily="34" charset="0"/>
+                <a:buNone/>
+                <a:defRPr sz="1800" kern="1200" baseline="0">
+                  <a:solidFill>
+                    <a:schemeClr val="bg1"/>
+                  </a:solidFill>
+                  <a:latin typeface="+mn-lt"/>
+                  <a:ea typeface="+mn-ea"/>
+                  <a:cs typeface="+mn-cs"/>
+                </a:defRPr>
+              </a:lvl8pPr>
+              <a:lvl9pPr marL="0" indent="0" algn="l" defTabSz="914377" rtl="0" eaLnBrk="1" latinLnBrk="0" hangingPunct="1">
+                <a:lnSpc>
+                  <a:spcPct val="110000"/>
+                </a:lnSpc>
+                <a:spcBef>
+                  <a:spcPts val="0"/>
+                </a:spcBef>
+                <a:spcAft>
+                  <a:spcPts val="600"/>
+                </a:spcAft>
+                <a:buFont typeface="Arial" panose="020B0604020202020204" pitchFamily="34" charset="0"/>
+                <a:buNone/>
+                <a:defRPr sz="1200" kern="1200">
+                  <a:solidFill>
+                    <a:schemeClr val="bg1"/>
+                  </a:solidFill>
+                  <a:latin typeface="+mn-lt"/>
+                  <a:ea typeface="+mn-ea"/>
+                  <a:cs typeface="+mn-cs"/>
+                </a:defRPr>
+              </a:lvl9pPr>
+            </a:lstStyle>
+            <a:p>
+              <a:pPr lvl="1"/>
+              <a:r>
+                <a:rPr lang="en-US" sz="2830" spc="-150" dirty="0">
+                  <a:solidFill>
+                    <a:srgbClr val="FF9128"/>
+                  </a:solidFill>
+                  <a:latin typeface="+mj-lt"/>
+                </a:rPr>
+                <a:t>platform</a:t>
+              </a:r>
+            </a:p>
+          </p:txBody>
+        </p:sp>
+        <p:pic>
+          <p:nvPicPr>
+            <p:cNvPr id="15" name="Picture 14"/>
+            <p:cNvPicPr>
+              <a:picLocks noChangeAspect="1"/>
+            </p:cNvPicPr>
+            <p:nvPr/>
+          </p:nvPicPr>
+          <p:blipFill>
+            <a:blip r:embed="rId3"/>
+            <a:stretch>
+              <a:fillRect/>
+            </a:stretch>
+          </p:blipFill>
+          <p:spPr>
+            <a:xfrm>
+              <a:off x="8747339" y="1334289"/>
+              <a:ext cx="1885165" cy="942583"/>
+            </a:xfrm>
+            <a:prstGeom prst="rect">
+              <a:avLst/>
+            </a:prstGeom>
+          </p:spPr>
+        </p:pic>
+        <p:sp>
+          <p:nvSpPr>
+            <p:cNvPr id="16" name="Text Placeholder 2"/>
+            <p:cNvSpPr txBox="1">
+              <a:spLocks/>
+            </p:cNvSpPr>
+            <p:nvPr/>
+          </p:nvSpPr>
+          <p:spPr>
+            <a:xfrm>
+              <a:off x="8753863" y="1988840"/>
+              <a:ext cx="1878641" cy="458145"/>
+            </a:xfrm>
+            <a:prstGeom prst="rect">
+              <a:avLst/>
+            </a:prstGeom>
+          </p:spPr>
+          <p:txBody>
+            <a:bodyPr vert="horz" lIns="0" tIns="91440" rIns="0" bIns="45720" rtlCol="0">
+              <a:noAutofit/>
+            </a:bodyPr>
+            <a:lstStyle>
+              <a:lvl1pPr marL="0" indent="1588" algn="l" defTabSz="914377" rtl="0" eaLnBrk="1" latinLnBrk="0" hangingPunct="1">
+                <a:lnSpc>
+                  <a:spcPct val="70000"/>
+                </a:lnSpc>
+                <a:spcBef>
+                  <a:spcPts val="0"/>
+                </a:spcBef>
+                <a:buFont typeface="Arial" panose="020B0604020202020204" pitchFamily="34" charset="0"/>
+                <a:buNone/>
+                <a:defRPr sz="4000" b="0" kern="1200" cap="all" baseline="0">
+                  <a:solidFill>
+                    <a:schemeClr val="bg1"/>
+                  </a:solidFill>
+                  <a:latin typeface="Arial Black" panose="020B0A04020102020204" pitchFamily="34" charset="0"/>
+                  <a:ea typeface="+mn-ea"/>
+                  <a:cs typeface="Arial" panose="020B0604020202020204" pitchFamily="34" charset="0"/>
+                </a:defRPr>
+              </a:lvl1pPr>
+              <a:lvl2pPr marL="55561" indent="0" algn="l" defTabSz="914377" rtl="0" eaLnBrk="1" latinLnBrk="0" hangingPunct="1">
+                <a:lnSpc>
+                  <a:spcPct val="80000"/>
+                </a:lnSpc>
+                <a:spcBef>
+                  <a:spcPts val="0"/>
+                </a:spcBef>
+                <a:spcAft>
+                  <a:spcPts val="0"/>
+                </a:spcAft>
+                <a:buFont typeface="Arial" panose="020B0604020202020204" pitchFamily="34" charset="0"/>
+                <a:buNone/>
+                <a:defRPr sz="2400" b="0" kern="1200" cap="all" baseline="0">
+                  <a:solidFill>
+                    <a:schemeClr val="bg1"/>
+                  </a:solidFill>
+                  <a:latin typeface="Arial Black" panose="020B0A04020102020204" pitchFamily="34" charset="0"/>
+                  <a:ea typeface="+mn-ea"/>
+                  <a:cs typeface="Arial" panose="020B0604020202020204" pitchFamily="34" charset="0"/>
+                </a:defRPr>
+              </a:lvl2pPr>
+              <a:lvl3pPr marL="55561" indent="0" algn="l" defTabSz="914377" rtl="0" eaLnBrk="1" latinLnBrk="0" hangingPunct="1">
+                <a:lnSpc>
+                  <a:spcPct val="80000"/>
+                </a:lnSpc>
+                <a:spcBef>
+                  <a:spcPts val="0"/>
+                </a:spcBef>
+                <a:spcAft>
+                  <a:spcPts val="0"/>
+                </a:spcAft>
+                <a:buFont typeface="Arial" panose="020B0604020202020204" pitchFamily="34" charset="0"/>
+                <a:buNone/>
+                <a:defRPr sz="1800" b="0" kern="1200" cap="all" baseline="0">
+                  <a:solidFill>
+                    <a:schemeClr val="bg1"/>
+                  </a:solidFill>
+                  <a:latin typeface="Arial Black" panose="020B0A04020102020204" pitchFamily="34" charset="0"/>
+                  <a:ea typeface="+mn-ea"/>
+                  <a:cs typeface="+mn-cs"/>
+                </a:defRPr>
+              </a:lvl3pPr>
+              <a:lvl4pPr marL="55561" indent="0" algn="l" defTabSz="914377" rtl="0" eaLnBrk="1" latinLnBrk="0" hangingPunct="1">
+                <a:lnSpc>
+                  <a:spcPct val="80000"/>
+                </a:lnSpc>
+                <a:spcBef>
+                  <a:spcPts val="0"/>
+                </a:spcBef>
+                <a:spcAft>
+                  <a:spcPts val="0"/>
+                </a:spcAft>
+                <a:buFont typeface="Arial" panose="020B0604020202020204" pitchFamily="34" charset="0"/>
+                <a:buNone/>
+                <a:defRPr sz="1800" b="0" kern="1200" cap="all" baseline="0">
+                  <a:solidFill>
+                    <a:schemeClr val="bg1"/>
+                  </a:solidFill>
+                  <a:latin typeface="Arial Black" panose="020B0A04020102020204" pitchFamily="34" charset="0"/>
+                  <a:ea typeface="+mn-ea"/>
+                  <a:cs typeface="+mn-cs"/>
+                </a:defRPr>
+              </a:lvl4pPr>
+              <a:lvl5pPr marL="55561" indent="0" algn="l" defTabSz="914377" rtl="0" eaLnBrk="1" latinLnBrk="0" hangingPunct="1">
+                <a:lnSpc>
+                  <a:spcPct val="80000"/>
+                </a:lnSpc>
+                <a:spcBef>
+                  <a:spcPts val="0"/>
+                </a:spcBef>
+                <a:spcAft>
+                  <a:spcPts val="0"/>
+                </a:spcAft>
+                <a:buFont typeface="Graphik" panose="020B0503030202060203" pitchFamily="34" charset="0"/>
+                <a:buNone/>
+                <a:defRPr sz="1800" b="0" kern="1200" cap="all" baseline="0">
+                  <a:solidFill>
+                    <a:schemeClr val="bg1"/>
+                  </a:solidFill>
+                  <a:latin typeface="Arial Black" panose="020B0A04020102020204" pitchFamily="34" charset="0"/>
+                  <a:ea typeface="+mn-ea"/>
+                  <a:cs typeface="+mn-cs"/>
+                </a:defRPr>
+              </a:lvl5pPr>
+              <a:lvl6pPr marL="512750" indent="-173034" algn="l" defTabSz="914377" rtl="0" eaLnBrk="1" latinLnBrk="0" hangingPunct="1">
+                <a:lnSpc>
+                  <a:spcPct val="90000"/>
+                </a:lnSpc>
+                <a:spcBef>
+                  <a:spcPts val="500"/>
+                </a:spcBef>
+                <a:buFont typeface="Arial" panose="020B0604020202020204" pitchFamily="34" charset="0"/>
+                <a:buChar char="•"/>
+                <a:defRPr sz="1400" kern="1200">
+                  <a:solidFill>
+                    <a:schemeClr val="bg1"/>
+                  </a:solidFill>
+                  <a:latin typeface="+mn-lt"/>
+                  <a:ea typeface="+mn-ea"/>
+                  <a:cs typeface="+mn-cs"/>
+                </a:defRPr>
+              </a:lvl6pPr>
+              <a:lvl7pPr marL="0" indent="0" algn="l" defTabSz="914377" rtl="0" eaLnBrk="1" latinLnBrk="0" hangingPunct="1">
+                <a:lnSpc>
+                  <a:spcPct val="90000"/>
+                </a:lnSpc>
+                <a:spcBef>
+                  <a:spcPts val="800"/>
+                </a:spcBef>
+                <a:buFont typeface="Arial" panose="020B0604020202020204" pitchFamily="34" charset="0"/>
+                <a:buNone/>
+                <a:defRPr sz="1200" b="1" kern="1200" cap="all" baseline="0">
+                  <a:solidFill>
+                    <a:schemeClr val="bg1"/>
+                  </a:solidFill>
+                  <a:latin typeface="+mj-lt"/>
+                  <a:ea typeface="+mn-ea"/>
+                  <a:cs typeface="+mn-cs"/>
+                </a:defRPr>
+              </a:lvl7pPr>
+              <a:lvl8pPr marL="0" indent="0" algn="l" defTabSz="914377" rtl="0" eaLnBrk="1" latinLnBrk="0" hangingPunct="1">
+                <a:lnSpc>
+                  <a:spcPct val="100000"/>
+                </a:lnSpc>
+                <a:spcBef>
+                  <a:spcPts val="0"/>
+                </a:spcBef>
+                <a:spcAft>
+                  <a:spcPts val="800"/>
+                </a:spcAft>
+                <a:buFont typeface="Arial" panose="020B0604020202020204" pitchFamily="34" charset="0"/>
+                <a:buNone/>
+                <a:defRPr sz="1800" kern="1200" baseline="0">
+                  <a:solidFill>
+                    <a:schemeClr val="bg1"/>
+                  </a:solidFill>
+                  <a:latin typeface="+mn-lt"/>
+                  <a:ea typeface="+mn-ea"/>
+                  <a:cs typeface="+mn-cs"/>
+                </a:defRPr>
+              </a:lvl8pPr>
+              <a:lvl9pPr marL="0" indent="0" algn="l" defTabSz="914377" rtl="0" eaLnBrk="1" latinLnBrk="0" hangingPunct="1">
+                <a:lnSpc>
+                  <a:spcPct val="110000"/>
+                </a:lnSpc>
+                <a:spcBef>
+                  <a:spcPts val="0"/>
+                </a:spcBef>
+                <a:spcAft>
+                  <a:spcPts val="600"/>
+                </a:spcAft>
+                <a:buFont typeface="Arial" panose="020B0604020202020204" pitchFamily="34" charset="0"/>
+                <a:buNone/>
+                <a:defRPr sz="1200" kern="1200">
+                  <a:solidFill>
+                    <a:schemeClr val="bg1"/>
+                  </a:solidFill>
+                  <a:latin typeface="+mn-lt"/>
+                  <a:ea typeface="+mn-ea"/>
+                  <a:cs typeface="+mn-cs"/>
+                </a:defRPr>
+              </a:lvl9pPr>
+            </a:lstStyle>
+            <a:p>
+              <a:pPr lvl="1"/>
+              <a:r>
+                <a:rPr lang="en-US" sz="2830" spc="-150" dirty="0">
+                  <a:solidFill>
+                    <a:srgbClr val="FF9128"/>
+                  </a:solidFill>
+                  <a:latin typeface="+mj-lt"/>
+                </a:rPr>
+                <a:t>platf</a:t>
+              </a:r>
+            </a:p>
+          </p:txBody>
+        </p:sp>
+      </p:grpSp>
     </p:spTree>
     <p:extLst>
       <p:ext uri="{BB962C8B-B14F-4D97-AF65-F5344CB8AC3E}">
